--- a/PRESENTACIONES/Listas Enlazadas.pptx
+++ b/PRESENTACIONES/Listas Enlazadas.pptx
@@ -328,6 +328,72 @@
   <p:clrMap bg1="lt1" tx1="dk1" bg2="lt2" tx2="dk2" accent1="accent1" accent2="accent2" accent3="accent3" accent4="accent4" accent5="accent5" accent6="accent6" hlink="hlink" folHlink="folHlink"/>
   <p:hf hdr="0" ftr="0" dt="0"/>
 </p:handoutMaster>
+</file>
+
+<file path=ppt/ink/ink1.xml><?xml version="1.0" encoding="utf-8"?>
+<inkml:ink xmlns:inkml="http://www.w3.org/2003/InkML">
+  <inkml:definitions>
+    <inkml:context xml:id="ctx0">
+      <inkml:inkSource xml:id="inkSrc0">
+        <inkml:traceFormat>
+          <inkml:channel name="X" type="integer" max="1366" units="cm"/>
+          <inkml:channel name="Y" type="integer" max="768" units="cm"/>
+          <inkml:channel name="T" type="integer" max="2.14748E9" units="dev"/>
+        </inkml:traceFormat>
+        <inkml:channelProperties>
+          <inkml:channelProperty channel="X" name="resolution" value="46.62116" units="1/cm"/>
+          <inkml:channelProperty channel="Y" name="resolution" value="46.54546" units="1/cm"/>
+          <inkml:channelProperty channel="T" name="resolution" value="1" units="1/dev"/>
+        </inkml:channelProperties>
+      </inkml:inkSource>
+      <inkml:timestamp xml:id="ts0" timeString="2022-08-24T22:23:21.344"/>
+    </inkml:context>
+    <inkml:brush xml:id="br0">
+      <inkml:brushProperty name="width" value="0.05292" units="cm"/>
+      <inkml:brushProperty name="height" value="0.05292" units="cm"/>
+      <inkml:brushProperty name="color" value="#FF0000"/>
+    </inkml:brush>
+  </inkml:definitions>
+  <inkml:trace contextRef="#ctx0" brushRef="#br0">10616 11584 0,'-24'0'171,"24"-25"-139,24 0-17,1 25 1,-25-25-16,25 1 16,-25-1-1,0 0-15,25 25 16,-25-25-16,25 25 15,-25-25-15,0 1 0,24-1 16,-24 0 0,0 0-16,25 25 15,-25-25 1,25 1 0,-25-1-1,0 0-15,25 25 16,-25-25 31,0 0-32,25 25-15,-25-25 16,24 25 15</inkml:trace>
+  <inkml:trace contextRef="#ctx0" brushRef="#br0" timeOffset="1027.76">10840 11162 0,'0'25'47,"0"0"-31,0 0-16,0-1 0,0 1 15,0 0-15,0 0 16,0 0-16,0-1 0,0 1 16,0 0-16,0 0 0,0 0 15,0-1-15,0 1 0,0 0 16,0 0-16,0 0 0,0 24 0,24-24 15,-24 0-15,0 0 0,0-1 16,25 1 0,-25 0-16,0 0 0,25 0 15,-25-1-15,0 26 16,0-25 0,0 0-16,0-1 0,25 1 15,-25 0 1,0 0-16,0 0 15,0-1 1,0 1 15,0 0 1,0 0-32,25-25 78</inkml:trace>
+  <inkml:trace contextRef="#ctx0" brushRef="#br0" timeOffset="3446.3">18479 11782 0,'0'-25'125,"25"25"-109,0-24-16,-25-1 0,25 25 16,-25-25-16,25 0 0,0 0 0,-25 1 15,24-26-15,-24 25 16,25 25-16,-25-49 0,50-1 16,-25 25-16,-1 0 0,-24 1 0,25 24 15,-25-25-15,0 0 0,0 0 16,0 50 156,0 25-172,0-26 0,0 1 15,0 0-15,0 0 0,0 0 0,25 24 16,-25-24-16,0 25 0,0-26 0,0 26 16,0-25-16,0 0 0,0-1 0,0 1 15,0 0-15,0 25 0,0-26 16,-25-24-16,25 25 0,0 0 15,0 0-15,0 0 0,0 24 16,0-24-16,0 0 16,0 0-16,0-1 0,0 1 15,0 0 1,0 0-16,0 0 31</inkml:trace>
+  <inkml:trace contextRef="#ctx0" brushRef="#br0" timeOffset="5085.63">25921 11757 0,'25'0'78,"-25"-24"-78,49-1 0,-24-25 15,0 25-15,0 1 16,0-1-16,24 0 0,-24 0 0,0 25 16,0-25-16,-1 1 0,1-1 15,0-25-15,0 25 16,0 1-16,-25-1 0,0 0 15,0 0-15,0 0 16,0 1 0,0-1-16,24 25 140,-24 25-140,0-1 16,0 1-16,0 0 0,25 0 16,-25 0-16,0-1 15,0 1-15,25 0 0,-25 0 16,0 0-16,0-1 0,0 1 0,0 0 15,0 0-15,0 0 0,0-1 0,0 26 16,0-25-16,0 0 0,0-1 16,0 1-16,0 0 0,0 25 15,0-26-15,0 1 0,25 0 16,-25 0-16,0 0 16,25-1-16,-25 1 15,0 25-15,0-25 16,0-1-1,0 1-15,24-25 16,1 25-16,-25 0 31,0 0-31,0 0 16,0-1 0</inkml:trace>
+  <inkml:trace contextRef="#ctx0" brushRef="#br0" timeOffset="7489.81">11088 13519 0,'0'-25'110,"0"0"-95,24 0 1,-24 0-16,25 25 0,-25-24 0,25-1 16,0 0-16,0 25 15,0-25-15,-25 0 0,24 25 0,26-24 16,-25 24-16,-25-25 15,25 25-15,-1 0 16,1 0 0,0 0-1,0 0 1,0 0 0,-1 0-16,1 0 15,-25 25-15,0 24 31,0-24-31,0 0 16,0 0-16,0-1 0,0 1 16,25-25-16,-25 25 0,0 0 0,0 0 15,0-1 1,0 1-16,0 0 16,0 0-1,0 0-15,-25-1 16,25 1-16,-25-25 0,1 0 15,-1 0-15,25 25 0,-25-25 16,0 0-16,25 25 16,-25-25-16,1 0 0,24 25 0,-25-1 15,-25-24-15,50 25 16,-25-25-16,25 25 0,-24-25 0,-1 0 16,0 25-16,0 0 0,-25-25 15,50 24-15,-24-24 0,-1 25 0,0 0 16,0 0-16,0-25 15,25 25 32,25-25 110,0 0-142,0 0 1,0 0-16,-1 0 0,1 0 15,0 0-15,0 0 0,0 0 16,0 0-16,-1 0 16,1 0-16,0 0 0,0 0 0,24 0 15,-24 0-15,25 0 0,-1 0 16,1 0-16,-25 0 0,49 0 16,-49 0-16,0 0 0,0 0 15,-1 0 1,1 0-1,0 0 1,0 0 47</inkml:trace>
+  <inkml:trace contextRef="#ctx0" brushRef="#br0" timeOffset="9115.34">18678 13345 0,'0'-25'93,"0"0"-77,25 25-16,-25-24 16,25 24-16,-25-25 0,24 25 15,-24-25-15,25 25 0,0 0 16,0-25-16,0 25 0,24 0 16,-24 0-16,0 0 15,0 0-15,-1 0 0,1 0 16,0 0-16,0 0 15,0 0-15,-25 25 32,0 0-32,0 0 15,0-1-15,0 1 16,0 0-16,0 0 0,0 24 16,0-24-16,-25 0 15,25 0-15,-25 0 0,25-1 16,-25 1-16,0 0 0,1 0 15,24 0-15,-25-25 0,25 24 16,-25-24-16,0 25 16,0-25-16,1 0 15,-1 0-15,25 25 16,-25-25-16,0 25 0,0-25 16,1 0 15,24 25-31,0-1 47,24-24 0,1 0-47,0 25 15,0-25-15,0 0 0,-1 0 16,26 0-16,0 0 0,-26 0 0,26 0 0,-25 0 15,24 0-15,1 0 0,0 25 16,-26-25-16,51 0 0,-26 0 0,-24 0 16,0 0-16,25 0 0,-26 0 0,1 0 15,0 0-15,0 0 16</inkml:trace>
+  <inkml:trace contextRef="#ctx0" brushRef="#br0" timeOffset="10912.62">26417 13419 0,'25'0'62,"-25"-24"-46,0-1-16,0 0 31,0 0-31,25 0 16,-25 1-16,24 24 0,-24-25 15,25 25-15,0-25 0,0 0 16,0 25-16,-1-25 16,1 25-1,0-25-15,0 25 16,0 0 0,-1 0-16,1 0 15,0 0-15,-25 25 16,0 0-16,0 0 15,25-25-15,-25 50 0,-25-26 16,25 1-16,0 0 16,-25 0-16,0 0 15,25-1-15,-24 1 0,-1 0 0,25 0 16,-25 0-16,25-1 0,-25-24 16,0 50-16,1-25 0,24 0 0,-25-1 15,0 1-15,0 0 0,25 0 16,-25-25-16,1 25 0,-1-1 15,25 1-15,-25-25 0,25 25 16,-25 0-16,0 0 16,25-1-16,0 1 15,0 0 1,25-25 93,25 0-109,-1 0 0,-24 0 16,0 0-16,0-25 0,24 25 0,-24 0 16,-25-25-16,25 25 0,0 0 0,0 0 15,-1 0 1,1 0-1,0 0-15,-25-24 47,25 24-47,-25-25 0,25 25 16,-1 0 0,1 0-16,25 0 0,-25 0 0,49 0 15,-49 0-15,0 0 0,0 0 16,-25 25-16,24-25 0</inkml:trace>
+</inkml:ink>
+</file>
+
+<file path=ppt/ink/ink2.xml><?xml version="1.0" encoding="utf-8"?>
+<inkml:ink xmlns:inkml="http://www.w3.org/2003/InkML">
+  <inkml:definitions>
+    <inkml:context xml:id="ctx0">
+      <inkml:inkSource xml:id="inkSrc0">
+        <inkml:traceFormat>
+          <inkml:channel name="X" type="integer" max="1366" units="cm"/>
+          <inkml:channel name="Y" type="integer" max="768" units="cm"/>
+          <inkml:channel name="T" type="integer" max="2.14748E9" units="dev"/>
+        </inkml:traceFormat>
+        <inkml:channelProperties>
+          <inkml:channelProperty channel="X" name="resolution" value="46.62116" units="1/cm"/>
+          <inkml:channelProperty channel="Y" name="resolution" value="46.54546" units="1/cm"/>
+          <inkml:channelProperty channel="T" name="resolution" value="1" units="1/dev"/>
+        </inkml:channelProperties>
+      </inkml:inkSource>
+      <inkml:timestamp xml:id="ts0" timeString="2022-08-24T22:23:37.979"/>
+    </inkml:context>
+    <inkml:brush xml:id="br0">
+      <inkml:brushProperty name="width" value="0.05292" units="cm"/>
+      <inkml:brushProperty name="height" value="0.05292" units="cm"/>
+      <inkml:brushProperty name="color" value="#FF0000"/>
+    </inkml:brush>
+  </inkml:definitions>
+  <inkml:trace contextRef="#ctx0" brushRef="#br0">7665 3398 0,'24'0'125,"-24"-25"-125,25 25 0,0-49 16,0 49-16,0-25 0,-1 25 15,-24-50-15,25 26 0,-25-1 16,25 25-16,0-25 0,-25 0 16,25 25-16,-25-25 0,0 1 15,24-1-15,-24 0 16,25 25-16,-25-25 16,0 0-1,25 25 1,-25-24-16,0 48 125,0 1-110,0 25-15,0-25 16,0-1-16,0 1 0,0 0 0,0 0 0,0 24 16,0-24-16,0 0 15,-25-25-15,25 25 0,0 0 0,0-1 16,0 1-16,0 0 0,0 0 16,0 24-16,0-24 15,0 0-15,0 0 0,0 0 0,0 24 16,0-24-16,0 25 0,0-25 15,0-1-15,0 1 0,0 0 0,0 0 16,0 0-16,0-1 16,0 1-16,0 0 15</inkml:trace>
+  <inkml:trace contextRef="#ctx0" brushRef="#br0" timeOffset="2254.79">10616 3398 0,'0'-25'125,"0"1"-125,0-1 16,0 0-16,25 25 15,0 0-15,-25-25 0,25 25 0,0-25 16,-25 1-16,24-1 16,1 25-16,0 0 0,0 0 15,-25-25 1,25 25-16,-25-25 16,24 25-16,1 0 0,0 0 15,25 0 1,-50-25-16,24 25 0,1 0 15,0 0 1,0 0-16,0 0 47,-25 25-47,0 0 16,0 0-16,0 0 0,0-1 15,0 1-15,0 0 16,0 0-16,0 0 0,0-1 15,0 1-15,0 0 16,-25-25-16,25 25 0,-25-25 0,0 25 16,25-1-16,-25 1 15,25 0-15,-24-25 0,-1 0 16,25 25-16,-25-25 0,0 0 16,0 25-16,25-1 0,-24-24 0,-1 25 15,0 0-15,0 0 16,0 0-16,25 0 0,-24-25 15,24 24-15,-25-24 0,25 25 16,-25 0-16,25 0 0,-25-25 16,25 25-16,0-1 15,-25-24-15,25 25 32,0 0 30,25-25 1,25 0-63,-25 0 15,-1 0-15,1-25 0,0 25 0,0 0 16,0 0-16,-1-25 0,1 25 0,0 0 15,0 0-15,0 0 0,-1 0 0,1-24 16,0 24-16,0 0 16,0 0-16,-1 0 0,1 0 15,0 0-15,0 0 16,0 0-16,0 0 0,-1 0 16,1 0-16,0 0 0,0 0 15,0 0-15,-1 0 16,1 0-1,0 0 17,0 0 15</inkml:trace>
+  <inkml:trace contextRef="#ctx0" brushRef="#br0" timeOffset="6139.04">6102 3175 0,'25'0'328,"-25"-25"-328,0 0 32,25 1-17,-1 24-15,1-25 16,0 25-16,0-25 16,0 25-16,-1 0 15,1 0-15,0 0 16,0 0-16,0 0 15,-1 0-15,26 0 16,-25 0-16,0 0 16,-1 0-16,1 0 0,0 0 15,0 0 1,-25 25 0,25-25-1,-25 25-15,0-1 0,0 1 16,0 0-16,0 0 15,0 0-15,0-1 16,0 1 0,-25-25-16,25 25 15,-25-25-15,0 25 0,0-25 16,1 0-16,-1 0 16,25 25-16,-25-25 0,0 0 15,0 0-15,1 0 16,-26 24-16,25-24 15,25 25-15,-25-25 0,1 0 0,-1 25 16,0-25-16,50 0 125,0 0-125,-1 25 0,1-25 16,25 0-16,-50 25 0,25-25 15,-1 0-15,1 0 0,0 0 0,0 0 16,0 0-16,-1 0 0,1 24 16,-25 1-1,25-25-15,0 0 0,-25 25 16,0 0-16,0 0 15,25-1-15,-25 1 16,24-25 0,-24 25-16,0 0 0,0 0 15,0 0 1,0-1 0,0 1-16,0 0 15,-24-25 1,24 25-16,-25-25 0,0 0 15,0 25-15,25-1 16,-25-24-16,1 0 16,-1 25-16,0-25 15,0 0 1,0 0-16,1 0 0,-1 0 0,0 0 16,-25 0-16,26 0 15,-1 0-15,0 0 0,0 0 16,0 0-16,1 0 15,-1 0 17</inkml:trace>
+  <inkml:trace contextRef="#ctx0" brushRef="#br0" timeOffset="18167.36">13395 2282 0,'-25'0'63,"0"0"-63,-25 0 16,26-25-16,-1 25 0,0 0 0,-25 0 15,25 0-15,1 0 0,-1 0 16,0 0-16,0 0 0,-24 0 0,24 0 15,0 0-15,0 0 0,0 0 16,1 0-16,-1 0 0,-25 0 0,25 0 16,1 0-16,-26 0 0,25 0 15,0 25-15,1-25 0,-1 0 16,0 25-16,0-25 0,0 0 16,25 25-16,-24-25 15,24 24-15,-25-24 0,25 25 0,-50-25 16,50 25-16,-25 0 0,1 0 0,-1-25 15,25 24-15,-25 1 0,25 0 16,-25-25-16,25 25 16,-25-25-16,25 25 15,0-1-15,-24-24 16,24 25-16,-25 0 0,25 0 0,-25 25 16,0-50-16,25 24 0,0 1 15,0 0-15,0 0 0,0 0 16,0-1-1,0 1-15,0 0 16,0 0-16,-25-25 16,25 25-16,0-1 31,0 1-31,0 0 16,0 0-16,0 0 15,0-1-15,0 1 0,0 0 16,0 0-16,0 0 15,0-1-15,0 1 16,0 25 0,0-25-1,0-1-15,0 1 0,0 0 16,25 0-16,-25 0 16,0-1-1,25-24-15,0 25 16,-25 0-16,25-25 15,-25 25-15,24 0 16,1-25-16,0 0 0,0 0 16,-25 24-16,25-24 0,-1 0 0,1 0 15,0 25-15,0-25 16,0 0-16,-1 0 16,26 0-16,-25 0 15,24 0-15,-24 0 0,25 0 16,-25 0-16,-1 0 0,1 0 0,0 0 15,0 0-15,0-25 0,-1 25 16,1 0-16,0 0 0,-25-24 0,25-1 16,0 25-1,-25-25 1,24 25-16,1 0 16,-25-25-16,25 25 15,0-25 1,0 25-16,-25-24 0,24 24 0,1-25 15,0 25-15,0-25 16,-25 0-16,25 25 16,-25-49-16,0 24 0,0 0 15,0 0-15,0 0 16,0 1-16,0-1 0,0 0 16,25-25-16,-25 26 0,0-1 0,0 0 15,0 0-15,0 0 0,24 1 16,-24-1-16,0 0 0,0 0 15,25 25-15,-25-25 0,0 1 0,0-1 16,0 0-16,0-25 16,0 26-16,0-1 15,0 0-15,0 0 0,0 0 16,0 0-16,-25 1 16,25-1-16,-24 0 0,-1 0 15,0 25-15,25-25 0,-25 25 0,0-24 16,0-1-16,1 25 0,-1-25 15,0 25-15,0-25 0,0 25 16,25-25-16,-24 25 0,-1 0 16,0 0-1,0 0-15,25-24 0,-25 24 16,1 0-16,-1 0 0,0 0 16,0 0-16,0 0 0,1 0 0,-1 0 15,-25 24-15,50 1 0,-25-25 16,1 25-16,-1-25 0,0 0 0,25 25 15,-25 0-15</inkml:trace>
+  <inkml:trace contextRef="#ctx0" brushRef="#br0" timeOffset="19994.18">13841 3646 0,'-25'0'0,"0"0"15,1 0-15,-1 0 16,0 0-16,0 0 16,0 0-16,1 0 0,-1 0 15,0 0-15,0 0 0,0 0 16,1-25-16,-26 25 0,25 0 15,0 0-15,1 0 16,-1 0-16,0 0 0,-25 0 16,1 0-16,24 0 15,25 25-15,-25-25 0,0 25 0,0-25 16,1 0-16,24 25 0,-50 0 0,0 0 16,26-1-16,-1 1 15,0-25-15,0 25 0,0 0 16,25 0-16,-24-25 0,24 24 15,-25-24-15,25 25 0,-25 0 16,25 0-16,0 0 0,0 24 16,0-24-16,-25 25 15,25-26-15,0 1 0,0 0 16,0 0-16,0 0 0,0-1 0,0 1 0,0 0 16,0 0-16,0 24 0,0-24 15,0 0-15,0 0 0,0 0 16,0-1-1,25 1-15,-25 0 0,25 0 16,-25 0-16,25-1 0,-1-24 16,-24 50-16,25-50 15,0 25-15,0-25 0,0 25 16,-1-1-16,1-24 16,-25 25-16,25-25 0,0 0 15,0 25-15,-1-25 0,1 0 16,25 0-16,-25 0 0,0 25 15,-1 0-15,1-25 0,0 0 0,0 0 16,0 0-16,-1 0 0,26 0 16,-25 0-16,24 0 0,-24 0 15,25 0-15,-25 0 16,-1 0 0,1 0-16,0 0 0,0 0 15,0 0-15,-1 0 0,-24-25 0,25 25 16,0-25-16,0 25 0,0-25 0,-1 25 15,1 0-15,-25-25 0,25 1 0,0-1 16,0 25 0,-25-25-16,24 0 15,1 0 1,-25 1-16,25-1 0,-25 0 16,25 0-16,-25 0 15,25-24-15,-1 49 0,-24-25 16,0 0-16,0 0 15,25 1 1,-25-1-16,0 0 0,0 0 16,0 0-16,0 1 0,0-1 15,0 0-15,0 0 16,0 0 0,0 1-1,0-1 1,0 0-16,0 0 15,-25 25 1,25-25-16,0 1 16,-24 24-1,-1 0-15,25-25 16,0 0-16,-25 25 16,25-25-16,-25 25 15,0 0-15,1-25 0,-1 25 16,0-24-16,0 24 15,0-25-15,1 25 16,-1 0-16,0-25 16,0 25-16,0 0 0,1 0 15,-1 0-15,0 0 0,0 0 16,0 0-16,-24-25 0,24 25 0,25-25 16,-25 25-16,0 0 0,1 0 0,-1 0 15,0 0-15,0 0 16,0 0-16,1 0 0,-1 0 15,0 0-15,0 0 0,0 0 16,1 0-16,-1 0 16,0 0-16,25 25 47</inkml:trace>
+</inkml:ink>
 </file>
 
 <file path=ppt/notesMasters/notesMaster1.xml><?xml version="1.0" encoding="utf-8"?>
@@ -20031,6 +20097,10 @@
           <a:bodyPr/>
           <a:lstStyle/>
           <a:p>
+            <a:r>
+              <a:rPr lang="en-US" dirty="0"/>
+              <a:t>                           </a:t>
+            </a:r>
             <a:endParaRPr lang="es-GT" dirty="0"/>
           </a:p>
         </p:txBody>
@@ -20382,6 +20452,57 @@
           </a:p>
         </p:txBody>
       </p:sp>
+      <mc:AlternateContent xmlns:mc="http://schemas.openxmlformats.org/markup-compatibility/2006">
+        <mc:Choice xmlns:p14="http://schemas.microsoft.com/office/powerpoint/2010/main" Requires="p14">
+          <p:contentPart p14:bwMode="auto" r:id="rId5">
+            <p14:nvContentPartPr>
+              <p14:cNvPr id="2" name="Entrada de lápiz 1">
+                <a:extLst>
+                  <a:ext uri="{FF2B5EF4-FFF2-40B4-BE49-F238E27FC236}">
+                    <a16:creationId xmlns:a16="http://schemas.microsoft.com/office/drawing/2014/main" id="{8A752521-A433-9518-6027-EA4CB2F389FF}"/>
+                  </a:ext>
+                </a:extLst>
+              </p14:cNvPr>
+              <p14:cNvContentPartPr/>
+              <p14:nvPr/>
+            </p14:nvContentPartPr>
+            <p14:xfrm>
+              <a:off x="2196720" y="812520"/>
+              <a:ext cx="2911320" cy="938160"/>
+            </p14:xfrm>
+          </p:contentPart>
+        </mc:Choice>
+        <mc:Fallback>
+          <p:pic>
+            <p:nvPicPr>
+              <p:cNvPr id="2" name="Entrada de lápiz 1">
+                <a:extLst>
+                  <a:ext uri="{FF2B5EF4-FFF2-40B4-BE49-F238E27FC236}">
+                    <a16:creationId xmlns:a16="http://schemas.microsoft.com/office/drawing/2014/main" id="{8A752521-A433-9518-6027-EA4CB2F389FF}"/>
+                  </a:ext>
+                </a:extLst>
+              </p:cNvPr>
+              <p:cNvPicPr/>
+              <p:nvPr/>
+            </p:nvPicPr>
+            <p:blipFill>
+              <a:blip r:embed="rId6"/>
+              <a:stretch>
+                <a:fillRect/>
+              </a:stretch>
+            </p:blipFill>
+            <p:spPr>
+              <a:xfrm>
+                <a:off x="2187360" y="803160"/>
+                <a:ext cx="2930040" cy="956880"/>
+              </a:xfrm>
+              <a:prstGeom prst="rect">
+                <a:avLst/>
+              </a:prstGeom>
+            </p:spPr>
+          </p:pic>
+        </mc:Fallback>
+      </mc:AlternateContent>
     </p:spTree>
     <p:extLst>
       <p:ext uri="{BB962C8B-B14F-4D97-AF65-F5344CB8AC3E}">
@@ -20522,15 +20643,6 @@
           <a:solidFill>
             <a:srgbClr val="FFFFFF"/>
           </a:solidFill>
-          <a:extLst>
-            <a:ext uri="{909E8E84-426E-40DD-AFC4-6F175D3DCCD1}">
-              <a14:hiddenFill xmlns:a14="http://schemas.microsoft.com/office/drawing/2010/main">
-                <a:solidFill>
-                  <a:srgbClr val="FFFFFF"/>
-                </a:solidFill>
-              </a14:hiddenFill>
-            </a:ext>
-          </a:extLst>
         </p:spPr>
       </p:pic>
       <p:sp>
@@ -21189,74 +21301,6 @@
             <a:r>
               <a:rPr lang="es-ES" sz="2800" dirty="0"/>
               <a:t>Python 3.10.2, Python 3.8.5 o Python 3.8.1</a:t>
-            </a:r>
-          </a:p>
-        </p:txBody>
-      </p:sp>
-      <p:sp>
-        <p:nvSpPr>
-          <p:cNvPr id="24" name="Marcador de texto 23">
-            <a:extLst>
-              <a:ext uri="{FF2B5EF4-FFF2-40B4-BE49-F238E27FC236}">
-                <a16:creationId xmlns:a16="http://schemas.microsoft.com/office/drawing/2014/main" id="{106F3974-4943-47E8-A433-5C64B36E9463}"/>
-              </a:ext>
-            </a:extLst>
-          </p:cNvPr>
-          <p:cNvSpPr>
-            <a:spLocks noGrp="1"/>
-          </p:cNvSpPr>
-          <p:nvPr>
-            <p:ph type="body" sz="quarter" idx="18"/>
-          </p:nvPr>
-        </p:nvSpPr>
-        <p:spPr>
-          <a:xfrm>
-            <a:off x="5024359" y="4180976"/>
-            <a:ext cx="3126583" cy="428891"/>
-          </a:xfrm>
-        </p:spPr>
-        <p:txBody>
-          <a:bodyPr rtlCol="0"/>
-          <a:lstStyle/>
-          <a:p>
-            <a:pPr rtl="0"/>
-            <a:r>
-              <a:rPr lang="es-ES"/>
-              <a:t>Ahorro de costos</a:t>
-            </a:r>
-          </a:p>
-        </p:txBody>
-      </p:sp>
-      <p:sp>
-        <p:nvSpPr>
-          <p:cNvPr id="34" name="Marcador de texto 33">
-            <a:extLst>
-              <a:ext uri="{FF2B5EF4-FFF2-40B4-BE49-F238E27FC236}">
-                <a16:creationId xmlns:a16="http://schemas.microsoft.com/office/drawing/2014/main" id="{3643E873-8912-4B68-8719-1C569341D6FD}"/>
-              </a:ext>
-            </a:extLst>
-          </p:cNvPr>
-          <p:cNvSpPr>
-            <a:spLocks noGrp="1"/>
-          </p:cNvSpPr>
-          <p:nvPr>
-            <p:ph type="body" sz="quarter" idx="14"/>
-          </p:nvPr>
-        </p:nvSpPr>
-        <p:spPr>
-          <a:xfrm>
-            <a:off x="5024359" y="4562976"/>
-            <a:ext cx="3126583" cy="1258935"/>
-          </a:xfrm>
-        </p:spPr>
-        <p:txBody>
-          <a:bodyPr rtlCol="0"/>
-          <a:lstStyle/>
-          <a:p>
-            <a:pPr rtl="0"/>
-            <a:r>
-              <a:rPr lang="es-ES" sz="1400"/>
-              <a:t>Reducción de los gastos de los productos de repuesto </a:t>
             </a:r>
           </a:p>
         </p:txBody>
@@ -23384,15 +23428,6 @@
           <a:solidFill>
             <a:srgbClr val="FFFFFF"/>
           </a:solidFill>
-          <a:extLst>
-            <a:ext uri="{909E8E84-426E-40DD-AFC4-6F175D3DCCD1}">
-              <a14:hiddenFill xmlns:a14="http://schemas.microsoft.com/office/drawing/2010/main">
-                <a:solidFill>
-                  <a:srgbClr val="FFFFFF"/>
-                </a:solidFill>
-              </a14:hiddenFill>
-            </a:ext>
-          </a:extLst>
         </p:spPr>
       </p:pic>
       <p:sp>
@@ -23635,6 +23670,57 @@
           </a:p>
         </p:txBody>
       </p:sp>
+      <mc:AlternateContent xmlns:mc="http://schemas.openxmlformats.org/markup-compatibility/2006">
+        <mc:Choice xmlns:p14="http://schemas.microsoft.com/office/powerpoint/2010/main" Requires="p14">
+          <p:contentPart p14:bwMode="auto" r:id="rId4">
+            <p14:nvContentPartPr>
+              <p14:cNvPr id="2" name="Entrada de lápiz 1">
+                <a:extLst>
+                  <a:ext uri="{FF2B5EF4-FFF2-40B4-BE49-F238E27FC236}">
+                    <a16:creationId xmlns:a16="http://schemas.microsoft.com/office/drawing/2014/main" id="{74060357-BC19-FF7B-1CF7-4451E0CBE39C}"/>
+                  </a:ext>
+                </a:extLst>
+              </p14:cNvPr>
+              <p14:cNvContentPartPr/>
+              <p14:nvPr/>
+            </p14:nvContentPartPr>
+            <p14:xfrm>
+              <a:off x="3813120" y="4000320"/>
+              <a:ext cx="5956200" cy="1045440"/>
+            </p14:xfrm>
+          </p:contentPart>
+        </mc:Choice>
+        <mc:Fallback>
+          <p:pic>
+            <p:nvPicPr>
+              <p:cNvPr id="2" name="Entrada de lápiz 1">
+                <a:extLst>
+                  <a:ext uri="{FF2B5EF4-FFF2-40B4-BE49-F238E27FC236}">
+                    <a16:creationId xmlns:a16="http://schemas.microsoft.com/office/drawing/2014/main" id="{74060357-BC19-FF7B-1CF7-4451E0CBE39C}"/>
+                  </a:ext>
+                </a:extLst>
+              </p:cNvPr>
+              <p:cNvPicPr/>
+              <p:nvPr/>
+            </p:nvPicPr>
+            <p:blipFill>
+              <a:blip r:embed="rId5"/>
+              <a:stretch>
+                <a:fillRect/>
+              </a:stretch>
+            </p:blipFill>
+            <p:spPr>
+              <a:xfrm>
+                <a:off x="3803760" y="3990960"/>
+                <a:ext cx="5974920" cy="1064160"/>
+              </a:xfrm>
+              <a:prstGeom prst="rect">
+                <a:avLst/>
+              </a:prstGeom>
+            </p:spPr>
+          </p:pic>
+        </mc:Fallback>
+      </mc:AlternateContent>
     </p:spTree>
     <p:extLst>
       <p:ext uri="{BB962C8B-B14F-4D97-AF65-F5344CB8AC3E}">
@@ -24440,6 +24526,34 @@
 </file>
 
 <file path=customXml/item1.xml><?xml version="1.0" encoding="utf-8"?>
+<?mso-contentType ?>
+<FormTemplates xmlns="http://schemas.microsoft.com/sharepoint/v3/contenttype/forms">
+  <Display>DocumentLibraryForm</Display>
+  <Edit>DocumentLibraryForm</Edit>
+  <New>DocumentLibraryForm</New>
+</FormTemplates>
+</file>
+
+<file path=customXml/item2.xml><?xml version="1.0" encoding="utf-8"?>
+<p:properties xmlns:p="http://schemas.microsoft.com/office/2006/metadata/properties" xmlns:xsi="http://www.w3.org/2001/XMLSchema-instance" xmlns:pc="http://schemas.microsoft.com/office/infopath/2007/PartnerControls">
+  <documentManagement>
+    <_ip_UnifiedCompliancePolicyUIAction xmlns="http://schemas.microsoft.com/sharepoint/v3" xsi:nil="true"/>
+    <Image xmlns="71af3243-3dd4-4a8d-8c0d-dd76da1f02a5">
+      <Url xsi:nil="true"/>
+      <Description xsi:nil="true"/>
+    </Image>
+    <Status xmlns="71af3243-3dd4-4a8d-8c0d-dd76da1f02a5">Not started</Status>
+    <_ip_UnifiedCompliancePolicyProperties xmlns="http://schemas.microsoft.com/sharepoint/v3" xsi:nil="true"/>
+    <ImageTagsTaxHTField xmlns="71af3243-3dd4-4a8d-8c0d-dd76da1f02a5">
+      <Terms xmlns="http://schemas.microsoft.com/office/infopath/2007/PartnerControls"/>
+    </ImageTagsTaxHTField>
+    <TaxCatchAll xmlns="230e9df3-be65-4c73-a93b-d1236ebd677e"/>
+    <MediaServiceKeyPoints xmlns="71af3243-3dd4-4a8d-8c0d-dd76da1f02a5" xsi:nil="true"/>
+  </documentManagement>
+</p:properties>
+</file>
+
+<file path=customXml/item3.xml><?xml version="1.0" encoding="utf-8"?>
 <ct:contentTypeSchema xmlns:ct="http://schemas.microsoft.com/office/2006/metadata/contentType" xmlns:ma="http://schemas.microsoft.com/office/2006/metadata/properties/metaAttributes" ct:_="" ma:_="" ma:contentTypeName="Document" ma:contentTypeID="0x01010079F111ED35F8CC479449609E8A0923A6" ma:contentTypeVersion="20" ma:contentTypeDescription="Create a new document." ma:contentTypeScope="" ma:versionID="1267097ee5f5874adfcc408041ae252e">
   <xsd:schema xmlns:xsd="http://www.w3.org/2001/XMLSchema" xmlns:xs="http://www.w3.org/2001/XMLSchema" xmlns:p="http://schemas.microsoft.com/office/2006/metadata/properties" xmlns:ns1="http://schemas.microsoft.com/sharepoint/v3" xmlns:ns2="71af3243-3dd4-4a8d-8c0d-dd76da1f02a5" xmlns:ns3="16c05727-aa75-4e4a-9b5f-8a80a1165891" xmlns:ns4="230e9df3-be65-4c73-a93b-d1236ebd677e" targetNamespace="http://schemas.microsoft.com/office/2006/metadata/properties" ma:root="true" ma:fieldsID="395891a93df65b14727750f2c06c306c" ns1:_="" ns2:_="" ns3:_="" ns4:_="">
     <xsd:import namespace="http://schemas.microsoft.com/sharepoint/v3"/>
@@ -24715,35 +24829,27 @@
 </ct:contentTypeSchema>
 </file>
 
-<file path=customXml/item2.xml><?xml version="1.0" encoding="utf-8"?>
-<p:properties xmlns:p="http://schemas.microsoft.com/office/2006/metadata/properties" xmlns:xsi="http://www.w3.org/2001/XMLSchema-instance" xmlns:pc="http://schemas.microsoft.com/office/infopath/2007/PartnerControls">
-  <documentManagement>
-    <_ip_UnifiedCompliancePolicyUIAction xmlns="http://schemas.microsoft.com/sharepoint/v3" xsi:nil="true"/>
-    <Image xmlns="71af3243-3dd4-4a8d-8c0d-dd76da1f02a5">
-      <Url xsi:nil="true"/>
-      <Description xsi:nil="true"/>
-    </Image>
-    <Status xmlns="71af3243-3dd4-4a8d-8c0d-dd76da1f02a5">Not started</Status>
-    <_ip_UnifiedCompliancePolicyProperties xmlns="http://schemas.microsoft.com/sharepoint/v3" xsi:nil="true"/>
-    <ImageTagsTaxHTField xmlns="71af3243-3dd4-4a8d-8c0d-dd76da1f02a5">
-      <Terms xmlns="http://schemas.microsoft.com/office/infopath/2007/PartnerControls"/>
-    </ImageTagsTaxHTField>
-    <TaxCatchAll xmlns="230e9df3-be65-4c73-a93b-d1236ebd677e"/>
-    <MediaServiceKeyPoints xmlns="71af3243-3dd4-4a8d-8c0d-dd76da1f02a5" xsi:nil="true"/>
-  </documentManagement>
-</p:properties>
+<file path=customXml/itemProps1.xml><?xml version="1.0" encoding="utf-8"?>
+<ds:datastoreItem xmlns:ds="http://schemas.openxmlformats.org/officeDocument/2006/customXml" ds:itemID="{5F1B15C2-B622-4464-872A-FFB13E3A35CE}">
+  <ds:schemaRefs>
+    <ds:schemaRef ds:uri="http://schemas.microsoft.com/sharepoint/v3/contenttype/forms"/>
+  </ds:schemaRefs>
+</ds:datastoreItem>
 </file>
 
-<file path=customXml/item3.xml><?xml version="1.0" encoding="utf-8"?>
-<?mso-contentType ?>
-<FormTemplates xmlns="http://schemas.microsoft.com/sharepoint/v3/contenttype/forms">
-  <Display>DocumentLibraryForm</Display>
-  <Edit>DocumentLibraryForm</Edit>
-  <New>DocumentLibraryForm</New>
-</FormTemplates>
+<file path=customXml/itemProps2.xml><?xml version="1.0" encoding="utf-8"?>
+<ds:datastoreItem xmlns:ds="http://schemas.openxmlformats.org/officeDocument/2006/customXml" ds:itemID="{0E439292-23DE-4FBC-B000-AFED89AC64F3}">
+  <ds:schemaRefs>
+    <ds:schemaRef ds:uri="http://schemas.microsoft.com/office/2006/metadata/properties"/>
+    <ds:schemaRef ds:uri="http://schemas.microsoft.com/office/infopath/2007/PartnerControls"/>
+    <ds:schemaRef ds:uri="http://schemas.microsoft.com/sharepoint/v3"/>
+    <ds:schemaRef ds:uri="71af3243-3dd4-4a8d-8c0d-dd76da1f02a5"/>
+    <ds:schemaRef ds:uri="230e9df3-be65-4c73-a93b-d1236ebd677e"/>
+  </ds:schemaRefs>
+</ds:datastoreItem>
 </file>
 
-<file path=customXml/itemProps1.xml><?xml version="1.0" encoding="utf-8"?>
+<file path=customXml/itemProps3.xml><?xml version="1.0" encoding="utf-8"?>
 <ds:datastoreItem xmlns:ds="http://schemas.openxmlformats.org/officeDocument/2006/customXml" ds:itemID="{065F1115-A9D1-4ADF-878E-8B9CEB141684}">
   <ds:schemaRefs>
     <ds:schemaRef ds:uri="http://schemas.microsoft.com/office/2006/metadata/contentType"/>
@@ -24764,26 +24870,6 @@
 </ds:datastoreItem>
 </file>
 
-<file path=customXml/itemProps2.xml><?xml version="1.0" encoding="utf-8"?>
-<ds:datastoreItem xmlns:ds="http://schemas.openxmlformats.org/officeDocument/2006/customXml" ds:itemID="{0E439292-23DE-4FBC-B000-AFED89AC64F3}">
-  <ds:schemaRefs>
-    <ds:schemaRef ds:uri="http://schemas.microsoft.com/office/2006/metadata/properties"/>
-    <ds:schemaRef ds:uri="http://schemas.microsoft.com/office/infopath/2007/PartnerControls"/>
-    <ds:schemaRef ds:uri="http://schemas.microsoft.com/sharepoint/v3"/>
-    <ds:schemaRef ds:uri="71af3243-3dd4-4a8d-8c0d-dd76da1f02a5"/>
-    <ds:schemaRef ds:uri="230e9df3-be65-4c73-a93b-d1236ebd677e"/>
-  </ds:schemaRefs>
-</ds:datastoreItem>
-</file>
-
-<file path=customXml/itemProps3.xml><?xml version="1.0" encoding="utf-8"?>
-<ds:datastoreItem xmlns:ds="http://schemas.openxmlformats.org/officeDocument/2006/customXml" ds:itemID="{5F1B15C2-B622-4464-872A-FFB13E3A35CE}">
-  <ds:schemaRefs>
-    <ds:schemaRef ds:uri="http://schemas.microsoft.com/sharepoint/v3/contenttype/forms"/>
-  </ds:schemaRefs>
-</ds:datastoreItem>
-</file>
-
 <file path=docMetadata/LabelInfo.xml><?xml version="1.0" encoding="utf-8"?>
 <clbl:labelList xmlns:clbl="http://schemas.microsoft.com/office/2020/mipLabelMetadata">
   <clbl:label id="{f42aa342-8706-4288-bd11-ebb85995028c}" enabled="1" method="Standard" siteId="{72f988bf-86f1-41af-91ab-2d7cd011db47}" removed="0"/>
